--- a/Presentation OC PIzza V2.pptx
+++ b/Presentation OC PIzza V2.pptx
@@ -11057,8 +11057,8 @@
         </p:blipFill>
         <p:spPr>
           <a:xfrm>
-            <a:off x="4870276" y="1905000"/>
-            <a:ext cx="6512343" cy="4204176"/>
+            <a:off x="4870276" y="1904999"/>
+            <a:ext cx="6552728" cy="4230247"/>
           </a:xfrm>
         </p:spPr>
       </p:pic>
@@ -11129,6 +11129,51 @@
           </a:p>
         </p:txBody>
       </p:sp>
+      <p:pic>
+        <p:nvPicPr>
+          <p:cNvPr id="9" name="Image 8"/>
+          <p:cNvPicPr>
+            <a:picLocks noChangeAspect="1"/>
+          </p:cNvPicPr>
+          <p:nvPr/>
+        </p:nvPicPr>
+        <p:blipFill>
+          <a:blip r:embed="rId3"/>
+          <a:stretch>
+            <a:fillRect/>
+          </a:stretch>
+        </p:blipFill>
+        <p:spPr>
+          <a:xfrm>
+            <a:off x="9248775" y="6238875"/>
+            <a:ext cx="2943225" cy="619125"/>
+          </a:xfrm>
+          <a:prstGeom prst="rect">
+            <a:avLst/>
+          </a:prstGeom>
+          <a:ln>
+            <a:noFill/>
+          </a:ln>
+          <a:effectLst>
+            <a:outerShdw blurRad="44450" dist="27940" dir="5400000" algn="ctr">
+              <a:srgbClr val="000000">
+                <a:alpha val="32000"/>
+              </a:srgbClr>
+            </a:outerShdw>
+          </a:effectLst>
+          <a:scene3d>
+            <a:camera prst="orthographicFront">
+              <a:rot lat="0" lon="0" rev="0"/>
+            </a:camera>
+            <a:lightRig rig="balanced" dir="t">
+              <a:rot lat="0" lon="0" rev="8700000"/>
+            </a:lightRig>
+          </a:scene3d>
+          <a:sp3d>
+            <a:bevelT w="190500" h="38100"/>
+          </a:sp3d>
+        </p:spPr>
+      </p:pic>
     </p:spTree>
     <p:extLst>
       <p:ext uri="{BB962C8B-B14F-4D97-AF65-F5344CB8AC3E}">
@@ -19380,6 +19425,51 @@
           </a:p>
         </p:txBody>
       </p:sp>
+      <p:pic>
+        <p:nvPicPr>
+          <p:cNvPr id="11" name="Image 10"/>
+          <p:cNvPicPr>
+            <a:picLocks noChangeAspect="1"/>
+          </p:cNvPicPr>
+          <p:nvPr/>
+        </p:nvPicPr>
+        <p:blipFill>
+          <a:blip r:embed="rId3"/>
+          <a:stretch>
+            <a:fillRect/>
+          </a:stretch>
+        </p:blipFill>
+        <p:spPr>
+          <a:xfrm>
+            <a:off x="9248775" y="6238875"/>
+            <a:ext cx="2943225" cy="619125"/>
+          </a:xfrm>
+          <a:prstGeom prst="rect">
+            <a:avLst/>
+          </a:prstGeom>
+          <a:ln>
+            <a:noFill/>
+          </a:ln>
+          <a:effectLst>
+            <a:outerShdw blurRad="44450" dist="27940" dir="5400000" algn="ctr">
+              <a:srgbClr val="000000">
+                <a:alpha val="32000"/>
+              </a:srgbClr>
+            </a:outerShdw>
+          </a:effectLst>
+          <a:scene3d>
+            <a:camera prst="orthographicFront">
+              <a:rot lat="0" lon="0" rev="0"/>
+            </a:camera>
+            <a:lightRig rig="balanced" dir="t">
+              <a:rot lat="0" lon="0" rev="8700000"/>
+            </a:lightRig>
+          </a:scene3d>
+          <a:sp3d>
+            <a:bevelT w="190500" h="38100"/>
+          </a:sp3d>
+        </p:spPr>
+      </p:pic>
     </p:spTree>
     <p:extLst>
       <p:ext uri="{BB962C8B-B14F-4D97-AF65-F5344CB8AC3E}">
@@ -19490,7 +19580,9 @@
           </a:xfrm>
         </p:spPr>
         <p:txBody>
-          <a:bodyPr/>
+          <a:bodyPr>
+            <a:normAutofit/>
+          </a:bodyPr>
           <a:lstStyle/>
           <a:p>
             <a:pPr marL="0" indent="0" algn="just">
@@ -19506,7 +19598,31 @@
             </a:r>
             <a:r>
               <a:rPr lang="fr-FR" dirty="0" smtClean="0"/>
-              <a:t>rom Scratch », nous donc toute la liberté de construire notre système, en voici une représentation :</a:t>
+              <a:t>rom Scratch », nous </a:t>
+            </a:r>
+            <a:r>
+              <a:rPr lang="fr-FR" dirty="0" smtClean="0"/>
+              <a:t>avons donc </a:t>
+            </a:r>
+            <a:r>
+              <a:rPr lang="fr-FR" dirty="0" smtClean="0"/>
+              <a:t>toute la liberté de construire notre </a:t>
+            </a:r>
+            <a:r>
+              <a:rPr lang="fr-FR" dirty="0" smtClean="0"/>
+              <a:t>système</a:t>
+            </a:r>
+            <a:r>
+              <a:rPr lang="fr-FR" dirty="0" smtClean="0"/>
+              <a:t>. V</a:t>
+            </a:r>
+            <a:r>
+              <a:rPr lang="fr-FR" dirty="0" smtClean="0"/>
+              <a:t>oici </a:t>
+            </a:r>
+            <a:r>
+              <a:rPr lang="fr-FR" dirty="0" smtClean="0"/>
+              <a:t>une représentation :</a:t>
             </a:r>
             <a:endParaRPr lang="fr-FR" dirty="0"/>
           </a:p>
@@ -23953,15 +24069,15 @@
 <file path=customXml/itemProps3.xml><?xml version="1.0" encoding="utf-8"?>
 <ds:datastoreItem xmlns:ds="http://schemas.openxmlformats.org/officeDocument/2006/customXml" ds:itemID="{00E41224-0370-4595-877C-23316CD80004}">
   <ds:schemaRefs>
+    <ds:schemaRef ds:uri="http://schemas.microsoft.com/office/2006/documentManagement/types"/>
+    <ds:schemaRef ds:uri="http://purl.org/dc/elements/1.1/"/>
+    <ds:schemaRef ds:uri="http://schemas.microsoft.com/office/2006/metadata/properties"/>
     <ds:schemaRef ds:uri="4873beb7-5857-4685-be1f-d57550cc96cc"/>
     <ds:schemaRef ds:uri="http://schemas.openxmlformats.org/package/2006/metadata/core-properties"/>
-    <ds:schemaRef ds:uri="http://schemas.microsoft.com/office/2006/documentManagement/types"/>
     <ds:schemaRef ds:uri="http://purl.org/dc/terms/"/>
+    <ds:schemaRef ds:uri="http://schemas.microsoft.com/office/infopath/2007/PartnerControls"/>
+    <ds:schemaRef ds:uri="http://www.w3.org/XML/1998/namespace"/>
     <ds:schemaRef ds:uri="http://purl.org/dc/dcmitype/"/>
-    <ds:schemaRef ds:uri="http://schemas.microsoft.com/office/infopath/2007/PartnerControls"/>
-    <ds:schemaRef ds:uri="http://purl.org/dc/elements/1.1/"/>
-    <ds:schemaRef ds:uri="http://schemas.microsoft.com/office/2006/metadata/properties"/>
-    <ds:schemaRef ds:uri="http://www.w3.org/XML/1998/namespace"/>
   </ds:schemaRefs>
 </ds:datastoreItem>
 </file>